--- a/Presentation.pptx
+++ b/Presentation.pptx
@@ -894,7 +894,7 @@
             <a:fld id="{B61BEF0D-F0BB-DE4B-95CE-6DB70DBA9567}" type="datetimeFigureOut">
               <a:rPr lang="en-US" dirty="0"/>
               <a:pPr/>
-              <a:t>12/6/2017</a:t>
+              <a:t>12/7/2017</a:t>
             </a:fld>
             <a:endParaRPr lang="en-US" dirty="0"/>
           </a:p>
@@ -1142,7 +1142,7 @@
             <a:fld id="{B61BEF0D-F0BB-DE4B-95CE-6DB70DBA9567}" type="datetimeFigureOut">
               <a:rPr lang="en-US" dirty="0"/>
               <a:pPr/>
-              <a:t>12/6/2017</a:t>
+              <a:t>12/7/2017</a:t>
             </a:fld>
             <a:endParaRPr lang="en-US" dirty="0"/>
           </a:p>
@@ -1453,7 +1453,7 @@
             <a:fld id="{B61BEF0D-F0BB-DE4B-95CE-6DB70DBA9567}" type="datetimeFigureOut">
               <a:rPr lang="en-US" dirty="0"/>
               <a:pPr/>
-              <a:t>12/6/2017</a:t>
+              <a:t>12/7/2017</a:t>
             </a:fld>
             <a:endParaRPr lang="en-US" dirty="0"/>
           </a:p>
@@ -1783,7 +1783,7 @@
             <a:fld id="{B61BEF0D-F0BB-DE4B-95CE-6DB70DBA9567}" type="datetimeFigureOut">
               <a:rPr lang="en-US" dirty="0"/>
               <a:pPr/>
-              <a:t>12/6/2017</a:t>
+              <a:t>12/7/2017</a:t>
             </a:fld>
             <a:endParaRPr lang="en-US" dirty="0"/>
           </a:p>
@@ -2094,7 +2094,7 @@
             <a:fld id="{B61BEF0D-F0BB-DE4B-95CE-6DB70DBA9567}" type="datetimeFigureOut">
               <a:rPr lang="en-US" dirty="0"/>
               <a:pPr/>
-              <a:t>12/6/2017</a:t>
+              <a:t>12/7/2017</a:t>
             </a:fld>
             <a:endParaRPr lang="en-US" dirty="0"/>
           </a:p>
@@ -2484,7 +2484,7 @@
             <a:fld id="{B61BEF0D-F0BB-DE4B-95CE-6DB70DBA9567}" type="datetimeFigureOut">
               <a:rPr lang="en-US" dirty="0"/>
               <a:pPr/>
-              <a:t>12/6/2017</a:t>
+              <a:t>12/7/2017</a:t>
             </a:fld>
             <a:endParaRPr lang="en-US" dirty="0"/>
           </a:p>
@@ -2650,7 +2650,7 @@
           <a:p>
             <a:fld id="{55C6B4A9-1611-4792-9094-5F34BCA07E0B}" type="datetimeFigureOut">
               <a:rPr lang="en-US" dirty="0"/>
-              <a:t>12/6/2017</a:t>
+              <a:t>12/7/2017</a:t>
             </a:fld>
             <a:endParaRPr lang="en-US" dirty="0"/>
           </a:p>
@@ -2826,7 +2826,7 @@
             <a:fld id="{B61BEF0D-F0BB-DE4B-95CE-6DB70DBA9567}" type="datetimeFigureOut">
               <a:rPr lang="en-US" dirty="0"/>
               <a:pPr/>
-              <a:t>12/6/2017</a:t>
+              <a:t>12/7/2017</a:t>
             </a:fld>
             <a:endParaRPr lang="en-US" dirty="0"/>
           </a:p>
@@ -2992,7 +2992,7 @@
           <a:p>
             <a:fld id="{42A54C80-263E-416B-A8E0-580EDEADCBDC}" type="datetimeFigureOut">
               <a:rPr lang="en-US" dirty="0"/>
-              <a:t>12/6/2017</a:t>
+              <a:t>12/7/2017</a:t>
             </a:fld>
             <a:endParaRPr lang="en-US" dirty="0"/>
           </a:p>
@@ -3235,7 +3235,7 @@
             <a:fld id="{B61BEF0D-F0BB-DE4B-95CE-6DB70DBA9567}" type="datetimeFigureOut">
               <a:rPr lang="en-US" dirty="0"/>
               <a:pPr/>
-              <a:t>12/6/2017</a:t>
+              <a:t>12/7/2017</a:t>
             </a:fld>
             <a:endParaRPr lang="en-US" dirty="0"/>
           </a:p>
@@ -3463,7 +3463,7 @@
           <a:p>
             <a:fld id="{42A54C80-263E-416B-A8E0-580EDEADCBDC}" type="datetimeFigureOut">
               <a:rPr lang="en-US" dirty="0"/>
-              <a:t>12/6/2017</a:t>
+              <a:t>12/7/2017</a:t>
             </a:fld>
             <a:endParaRPr lang="en-US" dirty="0"/>
           </a:p>
@@ -3833,7 +3833,7 @@
             <a:fld id="{B61BEF0D-F0BB-DE4B-95CE-6DB70DBA9567}" type="datetimeFigureOut">
               <a:rPr lang="en-US" dirty="0"/>
               <a:pPr/>
-              <a:t>12/6/2017</a:t>
+              <a:t>12/7/2017</a:t>
             </a:fld>
             <a:endParaRPr lang="en-US" dirty="0"/>
           </a:p>
@@ -3953,7 +3953,7 @@
             <a:fld id="{B61BEF0D-F0BB-DE4B-95CE-6DB70DBA9567}" type="datetimeFigureOut">
               <a:rPr lang="en-US" dirty="0"/>
               <a:pPr/>
-              <a:t>12/6/2017</a:t>
+              <a:t>12/7/2017</a:t>
             </a:fld>
             <a:endParaRPr lang="en-US" dirty="0"/>
           </a:p>
@@ -4045,7 +4045,7 @@
             <a:fld id="{B61BEF0D-F0BB-DE4B-95CE-6DB70DBA9567}" type="datetimeFigureOut">
               <a:rPr lang="en-US" dirty="0"/>
               <a:pPr/>
-              <a:t>12/6/2017</a:t>
+              <a:t>12/7/2017</a:t>
             </a:fld>
             <a:endParaRPr lang="en-US" dirty="0"/>
           </a:p>
@@ -4296,7 +4296,7 @@
           <a:p>
             <a:fld id="{42A54C80-263E-416B-A8E0-580EDEADCBDC}" type="datetimeFigureOut">
               <a:rPr lang="en-US" dirty="0"/>
-              <a:t>12/6/2017</a:t>
+              <a:t>12/7/2017</a:t>
             </a:fld>
             <a:endParaRPr lang="en-US" dirty="0"/>
           </a:p>
@@ -4598,7 +4598,7 @@
             <a:fld id="{B61BEF0D-F0BB-DE4B-95CE-6DB70DBA9567}" type="datetimeFigureOut">
               <a:rPr lang="en-US" dirty="0"/>
               <a:pPr/>
-              <a:t>12/6/2017</a:t>
+              <a:t>12/7/2017</a:t>
             </a:fld>
             <a:endParaRPr lang="en-US" dirty="0"/>
           </a:p>
@@ -5296,7 +5296,7 @@
             <a:fld id="{B61BEF0D-F0BB-DE4B-95CE-6DB70DBA9567}" type="datetimeFigureOut">
               <a:rPr lang="en-US" dirty="0"/>
               <a:pPr/>
-              <a:t>12/6/2017</a:t>
+              <a:t>12/7/2017</a:t>
             </a:fld>
             <a:endParaRPr lang="en-US" dirty="0"/>
           </a:p>
@@ -13271,9 +13271,10 @@
           <a:p>
             <a:pPr algn="l"/>
             <a:r>
-              <a:rPr lang="en-US" sz="1400" dirty="0"/>
-              <a:t>Request: </a:t>
-            </a:r>
+              <a:rPr lang="en-US" sz="1400"/>
+              <a:t>Response: </a:t>
+            </a:r>
+            <a:endParaRPr lang="en-US" sz="1400" dirty="0"/>
           </a:p>
           <a:p>
             <a:pPr algn="l"/>
@@ -13828,7 +13829,7 @@
             <a:pPr algn="l"/>
             <a:r>
               <a:rPr lang="en-US" sz="1400" dirty="0"/>
-              <a:t>Request: </a:t>
+              <a:t>Response: </a:t>
             </a:r>
           </a:p>
           <a:p>
@@ -14016,13 +14017,8 @@
             <a:pPr algn="l"/>
             <a:r>
               <a:rPr lang="en-US" sz="1400" dirty="0"/>
-              <a:t>In a production environment it is unlikely that the target user of EmailRouter will prefer Google Mail as their organization’s email provider</a:t>
-            </a:r>
-            <a:r>
-              <a:rPr lang="en-US" sz="1400"/>
-              <a:t>.  </a:t>
-            </a:r>
-            <a:endParaRPr lang="en-US" sz="1400" dirty="0"/>
+              <a:t>In a production environment it is unlikely that the target user of EmailRouter will prefer Google Mail as their organization’s email provider.  </a:t>
+            </a:r>
           </a:p>
           <a:p>
             <a:pPr algn="l"/>
